--- a/Projet Smart Patate.pptx
+++ b/Projet Smart Patate.pptx
@@ -4023,13 +4023,33 @@
           <a:p>
             <a:r>
               <a:rPr lang="fr-FR" dirty="0" smtClean="0"/>
-              <a:t>        : Lagache Agate, </a:t>
-            </a:r>
-          </a:p>
-          <a:p>
+              <a:t>        </a:t>
+            </a:r>
             <a:r>
               <a:rPr lang="fr-FR" dirty="0" smtClean="0"/>
-              <a:t>        : </a:t>
+              <a:t> </a:t>
+            </a:r>
+            <a:r>
+              <a:rPr lang="fr-FR" dirty="0" smtClean="0"/>
+              <a:t>Lagache </a:t>
+            </a:r>
+            <a:r>
+              <a:rPr lang="fr-FR" dirty="0" smtClean="0"/>
+              <a:t>Agathe</a:t>
+            </a:r>
+            <a:r>
+              <a:rPr lang="fr-FR" dirty="0" smtClean="0"/>
+              <a:t>, </a:t>
+            </a:r>
+          </a:p>
+          <a:p>
+            <a:r>
+              <a:rPr lang="fr-FR" dirty="0" smtClean="0"/>
+              <a:t>        </a:t>
+            </a:r>
+            <a:r>
+              <a:rPr lang="fr-FR" dirty="0" smtClean="0"/>
+              <a:t> </a:t>
             </a:r>
             <a:r>
               <a:rPr lang="fr-FR" dirty="0" err="1" smtClean="0"/>
@@ -4047,7 +4067,15 @@
             </a:r>
             <a:r>
               <a:rPr lang="fr-FR" dirty="0" smtClean="0"/>
-              <a:t>       : Bhiki Riadjy</a:t>
+              <a:t>       </a:t>
+            </a:r>
+            <a:r>
+              <a:rPr lang="fr-FR" dirty="0" smtClean="0"/>
+              <a:t> </a:t>
+            </a:r>
+            <a:r>
+              <a:rPr lang="fr-FR" dirty="0" smtClean="0"/>
+              <a:t>Bhiki Riadjy</a:t>
             </a:r>
           </a:p>
         </p:txBody>
@@ -4301,10 +4329,143 @@
           <a:bodyPr/>
           <a:lstStyle/>
           <a:p>
+            <a:r>
+              <a:rPr lang="fr-FR" dirty="0" smtClean="0"/>
+              <a:t>Notre objectif final est la transformation de notre légume en interrupteur intelligent.</a:t>
+            </a:r>
+          </a:p>
+          <a:p>
+            <a:endParaRPr lang="fr-FR" dirty="0" smtClean="0"/>
+          </a:p>
+          <a:p>
+            <a:endParaRPr lang="en-US" dirty="0"/>
+          </a:p>
+        </p:txBody>
+      </p:sp>
+      <p:pic>
+        <p:nvPicPr>
+          <p:cNvPr id="3" name="Image 2"/>
+          <p:cNvPicPr>
+            <a:picLocks noChangeAspect="1"/>
+          </p:cNvPicPr>
+          <p:nvPr/>
+        </p:nvPicPr>
+        <p:blipFill>
+          <a:blip r:embed="rId2">
+            <a:extLst>
+              <a:ext uri="{28A0092B-C50C-407E-A947-70E740481C1C}">
+                <a14:useLocalDpi xmlns:a14="http://schemas.microsoft.com/office/drawing/2010/main" val="0"/>
+              </a:ext>
+            </a:extLst>
+          </a:blip>
+          <a:stretch>
+            <a:fillRect/>
+          </a:stretch>
+        </p:blipFill>
+        <p:spPr>
+          <a:xfrm>
+            <a:off x="958586" y="2980936"/>
+            <a:ext cx="3391786" cy="2543343"/>
+          </a:xfrm>
+          <a:prstGeom prst="rect">
+            <a:avLst/>
+          </a:prstGeom>
+        </p:spPr>
+      </p:pic>
+      <p:sp>
+        <p:nvSpPr>
+          <p:cNvPr id="4" name="Flèche droite 3"/>
+          <p:cNvSpPr/>
+          <p:nvPr/>
+        </p:nvSpPr>
+        <p:spPr>
+          <a:xfrm>
+            <a:off x="4954039" y="3838458"/>
+            <a:ext cx="1293132" cy="616688"/>
+          </a:xfrm>
+          <a:prstGeom prst="rightArrow">
+            <a:avLst/>
+          </a:prstGeom>
+        </p:spPr>
+        <p:style>
+          <a:lnRef idx="2">
+            <a:schemeClr val="accent1">
+              <a:shade val="50000"/>
+            </a:schemeClr>
+          </a:lnRef>
+          <a:fillRef idx="1">
+            <a:schemeClr val="accent1"/>
+          </a:fillRef>
+          <a:effectRef idx="0">
+            <a:schemeClr val="accent1"/>
+          </a:effectRef>
+          <a:fontRef idx="minor">
+            <a:schemeClr val="lt1"/>
+          </a:fontRef>
+        </p:style>
+        <p:txBody>
+          <a:bodyPr rtlCol="0" anchor="ctr"/>
+          <a:lstStyle/>
+          <a:p>
+            <a:pPr algn="ctr"/>
             <a:endParaRPr lang="en-US"/>
           </a:p>
         </p:txBody>
       </p:sp>
+      <p:sp>
+        <p:nvSpPr>
+          <p:cNvPr id="8" name="ZoneTexte 7"/>
+          <p:cNvSpPr txBox="1"/>
+          <p:nvPr/>
+        </p:nvSpPr>
+        <p:spPr>
+          <a:xfrm>
+            <a:off x="958586" y="5879805"/>
+            <a:ext cx="6941405" cy="369332"/>
+          </a:xfrm>
+          <a:prstGeom prst="rect">
+            <a:avLst/>
+          </a:prstGeom>
+          <a:noFill/>
+        </p:spPr>
+        <p:txBody>
+          <a:bodyPr wrap="square" rtlCol="0">
+            <a:spAutoFit/>
+          </a:bodyPr>
+          <a:lstStyle/>
+          <a:p>
+            <a:r>
+              <a:rPr lang="fr-FR" dirty="0" smtClean="0"/>
+              <a:t>Pour cela, nous avons deux jours.</a:t>
+            </a:r>
+            <a:endParaRPr lang="en-US" dirty="0"/>
+          </a:p>
+        </p:txBody>
+      </p:sp>
+      <p:pic>
+        <p:nvPicPr>
+          <p:cNvPr id="10" name="Image 9"/>
+          <p:cNvPicPr>
+            <a:picLocks noChangeAspect="1"/>
+          </p:cNvPicPr>
+          <p:nvPr/>
+        </p:nvPicPr>
+        <p:blipFill>
+          <a:blip r:embed="rId3"/>
+          <a:stretch>
+            <a:fillRect/>
+          </a:stretch>
+        </p:blipFill>
+        <p:spPr>
+          <a:xfrm>
+            <a:off x="7458849" y="3144088"/>
+            <a:ext cx="2867025" cy="2162175"/>
+          </a:xfrm>
+          <a:prstGeom prst="rect">
+            <a:avLst/>
+          </a:prstGeom>
+        </p:spPr>
+      </p:pic>
     </p:spTree>
     <p:extLst>
       <p:ext uri="{BB962C8B-B14F-4D97-AF65-F5344CB8AC3E}">
@@ -4366,8 +4527,8 @@
         </p:blipFill>
         <p:spPr>
           <a:xfrm>
-            <a:off x="-1" y="-31174"/>
-            <a:ext cx="8337104" cy="6889174"/>
+            <a:off x="0" y="0"/>
+            <a:ext cx="8337104" cy="4675910"/>
           </a:xfrm>
         </p:spPr>
       </p:pic>
@@ -4417,84 +4578,59 @@
         </p:nvSpPr>
         <p:spPr>
           <a:xfrm>
-            <a:off x="8786707" y="1836138"/>
-            <a:ext cx="3200400" cy="4237284"/>
+            <a:off x="8786706" y="1836138"/>
+            <a:ext cx="3308311" cy="4237284"/>
           </a:xfrm>
         </p:spPr>
         <p:txBody>
-          <a:bodyPr/>
+          <a:bodyPr>
+            <a:normAutofit/>
+          </a:bodyPr>
           <a:lstStyle/>
           <a:p>
             <a:r>
               <a:rPr lang="fr-FR" dirty="0" smtClean="0"/>
-              <a:t>Pourquoi dit t’on capteur capacitif ? </a:t>
-            </a:r>
+              <a:t>Pourquoi parle-t-on de capteur capacitif ? </a:t>
+            </a:r>
+          </a:p>
+          <a:p>
+            <a:endParaRPr lang="fr-FR" dirty="0" smtClean="0"/>
+          </a:p>
+          <a:p>
+            <a:endParaRPr lang="fr-FR" dirty="0" smtClean="0"/>
           </a:p>
           <a:p>
             <a:r>
               <a:rPr lang="fr-FR" dirty="0" smtClean="0"/>
-              <a:t>Le corps humain représente quel composant ? </a:t>
-            </a:r>
+              <a:t>Par quel composant peut-on représenter le corps humain ?</a:t>
+            </a:r>
+          </a:p>
+          <a:p>
+            <a:endParaRPr lang="fr-FR" dirty="0" smtClean="0"/>
+          </a:p>
+          <a:p>
+            <a:endParaRPr lang="fr-FR" dirty="0" smtClean="0"/>
           </a:p>
           <a:p>
             <a:r>
               <a:rPr lang="fr-FR" dirty="0" smtClean="0"/>
-              <a:t>Pourquoi le signal diminue t’il ? </a:t>
-            </a:r>
+              <a:t>Pourquoi le signal diminue-t-il ? </a:t>
+            </a:r>
+          </a:p>
+          <a:p>
+            <a:endParaRPr lang="fr-FR" dirty="0" smtClean="0"/>
+          </a:p>
+          <a:p>
+            <a:endParaRPr lang="fr-FR" dirty="0" smtClean="0"/>
           </a:p>
           <a:p>
             <a:r>
               <a:rPr lang="fr-FR" dirty="0" smtClean="0"/>
-              <a:t>Comment calculer la charge du corps humain ? </a:t>
-            </a:r>
-          </a:p>
-          <a:p>
-            <a:r>
-              <a:rPr lang="fr-FR" dirty="0" smtClean="0"/>
-              <a:t>       - Calcul de C : Nombres Atomes </a:t>
-            </a:r>
-          </a:p>
-          <a:p>
-            <a:r>
-              <a:rPr lang="fr-FR" dirty="0"/>
-              <a:t> </a:t>
-            </a:r>
-            <a:r>
-              <a:rPr lang="fr-FR" dirty="0" smtClean="0"/>
-              <a:t>                                : Nombres Protons</a:t>
-            </a:r>
-          </a:p>
-          <a:p>
-            <a:r>
-              <a:rPr lang="fr-FR" dirty="0"/>
-              <a:t> </a:t>
-            </a:r>
-            <a:r>
-              <a:rPr lang="fr-FR" dirty="0" smtClean="0"/>
-              <a:t>                                : Avogadro</a:t>
-            </a:r>
-          </a:p>
-          <a:p>
-            <a:r>
-              <a:rPr lang="fr-FR" dirty="0"/>
-              <a:t> </a:t>
-            </a:r>
-            <a:r>
-              <a:rPr lang="fr-FR" dirty="0" smtClean="0"/>
-              <a:t>                                :  Charge.</a:t>
-            </a:r>
-          </a:p>
-          <a:p>
-            <a:r>
-              <a:rPr lang="fr-FR" dirty="0" smtClean="0"/>
-              <a:t>Question doigt / électrode</a:t>
-            </a:r>
-          </a:p>
-          <a:p>
-            <a:r>
-              <a:rPr lang="fr-FR" dirty="0" smtClean="0"/>
-              <a:t>Question Proportionnalité surface de contact.</a:t>
-            </a:r>
+              <a:t>Comment calculer la charge du corps humain ? (Q = C * U) ? </a:t>
+            </a:r>
+          </a:p>
+          <a:p>
+            <a:endParaRPr lang="fr-FR" dirty="0"/>
           </a:p>
         </p:txBody>
       </p:sp>
@@ -4514,8 +4650,8 @@
         </p:blipFill>
         <p:spPr>
           <a:xfrm>
-            <a:off x="-1" y="-31174"/>
-            <a:ext cx="8302336" cy="6858000"/>
+            <a:off x="1" y="4675910"/>
+            <a:ext cx="8337103" cy="2165003"/>
           </a:xfrm>
           <a:prstGeom prst="rect">
             <a:avLst/>
@@ -4623,25 +4759,30 @@
           </a:prstGeom>
         </p:spPr>
       </p:pic>
-      <p:sp>
-        <p:nvSpPr>
-          <p:cNvPr id="7" name="Espace réservé du texte 6"/>
-          <p:cNvSpPr>
-            <a:spLocks noGrp="1"/>
-          </p:cNvSpPr>
-          <p:nvPr>
-            <p:ph type="body" sz="half" idx="2"/>
-          </p:nvPr>
-        </p:nvSpPr>
-        <p:spPr/>
-        <p:txBody>
-          <a:bodyPr/>
-          <a:lstStyle/>
-          <a:p>
-            <a:endParaRPr lang="en-US"/>
-          </a:p>
-        </p:txBody>
-      </p:sp>
+      <p:pic>
+        <p:nvPicPr>
+          <p:cNvPr id="2" name="Image 1"/>
+          <p:cNvPicPr>
+            <a:picLocks noChangeAspect="1"/>
+          </p:cNvPicPr>
+          <p:nvPr/>
+        </p:nvPicPr>
+        <p:blipFill>
+          <a:blip r:embed="rId3"/>
+          <a:stretch>
+            <a:fillRect/>
+          </a:stretch>
+        </p:blipFill>
+        <p:spPr>
+          <a:xfrm>
+            <a:off x="8366760" y="2724495"/>
+            <a:ext cx="3566160" cy="3437315"/>
+          </a:xfrm>
+          <a:prstGeom prst="rect">
+            <a:avLst/>
+          </a:prstGeom>
+        </p:spPr>
+      </p:pic>
     </p:spTree>
     <p:extLst>
       <p:ext uri="{BB962C8B-B14F-4D97-AF65-F5344CB8AC3E}">
@@ -4702,25 +4843,35 @@
           </a:p>
         </p:txBody>
       </p:sp>
-      <p:sp>
-        <p:nvSpPr>
-          <p:cNvPr id="11" name="Espace réservé du contenu 10"/>
-          <p:cNvSpPr>
-            <a:spLocks noGrp="1"/>
-          </p:cNvSpPr>
+      <p:pic>
+        <p:nvPicPr>
+          <p:cNvPr id="2" name="Espace réservé du contenu 1"/>
+          <p:cNvPicPr>
+            <a:picLocks noGrp="1" noChangeAspect="1"/>
+          </p:cNvPicPr>
           <p:nvPr>
             <p:ph idx="1"/>
           </p:nvPr>
-        </p:nvSpPr>
-        <p:spPr/>
-        <p:txBody>
-          <a:bodyPr/>
-          <a:lstStyle/>
-          <a:p>
-            <a:endParaRPr lang="en-US"/>
-          </a:p>
-        </p:txBody>
-      </p:sp>
+        </p:nvPicPr>
+        <p:blipFill>
+          <a:blip r:embed="rId2">
+            <a:extLst>
+              <a:ext uri="{28A0092B-C50C-407E-A947-70E740481C1C}">
+                <a14:useLocalDpi xmlns:a14="http://schemas.microsoft.com/office/drawing/2010/main" val="0"/>
+              </a:ext>
+            </a:extLst>
+          </a:blip>
+          <a:stretch>
+            <a:fillRect/>
+          </a:stretch>
+        </p:blipFill>
+        <p:spPr>
+          <a:xfrm rot="5400000">
+            <a:off x="498348" y="2556165"/>
+            <a:ext cx="4571997" cy="3428998"/>
+          </a:xfrm>
+        </p:spPr>
+      </p:pic>
     </p:spTree>
     <p:extLst>
       <p:ext uri="{BB962C8B-B14F-4D97-AF65-F5344CB8AC3E}">
@@ -4796,7 +4947,80 @@
           <a:bodyPr/>
           <a:lstStyle/>
           <a:p>
-            <a:endParaRPr lang="en-US"/>
+            <a:r>
+              <a:rPr lang="fr-FR" dirty="0" smtClean="0"/>
+              <a:t>De ce projet, on  peut en tirer :</a:t>
+            </a:r>
+          </a:p>
+          <a:p>
+            <a:pPr marL="0" indent="0">
+              <a:buNone/>
+            </a:pPr>
+            <a:r>
+              <a:rPr lang="fr-FR" dirty="0" smtClean="0"/>
+              <a:t>  </a:t>
+            </a:r>
+          </a:p>
+          <a:p>
+            <a:pPr marL="0" indent="0">
+              <a:buNone/>
+            </a:pPr>
+            <a:r>
+              <a:rPr lang="fr-FR" dirty="0" smtClean="0"/>
+              <a:t>- Une bonne organisation de groupe,</a:t>
+            </a:r>
+          </a:p>
+          <a:p>
+            <a:pPr marL="0" indent="0">
+              <a:buNone/>
+            </a:pPr>
+            <a:r>
+              <a:rPr lang="fr-FR" dirty="0" smtClean="0"/>
+              <a:t> </a:t>
+            </a:r>
+          </a:p>
+          <a:p>
+            <a:pPr marL="0" indent="0">
+              <a:buNone/>
+            </a:pPr>
+            <a:r>
+              <a:rPr lang="fr-FR" dirty="0" smtClean="0"/>
+              <a:t> - Un bon chef de projet  </a:t>
+            </a:r>
+          </a:p>
+          <a:p>
+            <a:pPr marL="0" indent="0">
+              <a:buNone/>
+            </a:pPr>
+            <a:endParaRPr lang="fr-FR" dirty="0"/>
+          </a:p>
+          <a:p>
+            <a:pPr marL="0" indent="0">
+              <a:buNone/>
+            </a:pPr>
+            <a:r>
+              <a:rPr lang="fr-FR" dirty="0" smtClean="0"/>
+              <a:t> - Des problèmes au niveau de la création du prototype de causes inconnues  </a:t>
+            </a:r>
+          </a:p>
+          <a:p>
+            <a:pPr marL="0" indent="0">
+              <a:buNone/>
+            </a:pPr>
+            <a:r>
+              <a:rPr lang="fr-FR" dirty="0" smtClean="0"/>
+              <a:t> </a:t>
+            </a:r>
+          </a:p>
+          <a:p>
+            <a:pPr marL="0" indent="0">
+              <a:buNone/>
+            </a:pPr>
+            <a:r>
+              <a:rPr lang="fr-FR" dirty="0" smtClean="0"/>
+              <a:t> </a:t>
+            </a:r>
+            <a:endParaRPr lang="fr-FR" dirty="0" smtClean="0"/>
           </a:p>
         </p:txBody>
       </p:sp>
@@ -4810,6 +5034,13 @@
   <p:clrMapOvr>
     <a:masterClrMapping/>
   </p:clrMapOvr>
+  <p:timing>
+    <p:tnLst>
+      <p:par>
+        <p:cTn id="1" dur="indefinite" restart="never" nodeType="tmRoot"/>
+      </p:par>
+    </p:tnLst>
+  </p:timing>
 </p:sld>
 </file>
 
